--- a/schema_emis.pptx
+++ b/schema_emis.pptx
@@ -3243,16 +3243,7 @@
                 </a:solidFill>
                 <a:latin typeface="Rockwell" pitchFamily="18" charset="0"/>
               </a:rPr>
-              <a:t>Schéma de la chaîne </a:t>
-            </a:r>
-            <a:r>
-              <a:rPr lang="fr-FR" sz="2400" dirty="0" smtClean="0">
-                <a:solidFill>
-                  <a:schemeClr val="bg1"/>
-                </a:solidFill>
-                <a:latin typeface="Rockwell" pitchFamily="18" charset="0"/>
-              </a:rPr>
-              <a:t>d’émission</a:t>
+              <a:t>Schéma de la chaîne d’émission</a:t>
             </a:r>
             <a:endParaRPr lang="fr-FR" dirty="0">
               <a:solidFill>
@@ -3306,7 +3297,7 @@
         </p:nvSpPr>
         <p:spPr>
           <a:xfrm>
-            <a:off x="5357818" y="1285860"/>
+            <a:off x="2643174" y="1285860"/>
             <a:ext cx="1214446" cy="642942"/>
           </a:xfrm>
           <a:prstGeom prst="rect">
@@ -3353,7 +3344,7 @@
         <p:spPr>
           <a:xfrm>
             <a:off x="6572264" y="1571612"/>
-            <a:ext cx="428628" cy="1588"/>
+            <a:ext cx="2071702" cy="1588"/>
           </a:xfrm>
           <a:prstGeom prst="line">
             <a:avLst/>
@@ -3387,7 +3378,7 @@
         </p:nvSpPr>
         <p:spPr>
           <a:xfrm>
-            <a:off x="5357818" y="1357298"/>
+            <a:off x="2643174" y="1357298"/>
             <a:ext cx="1214446" cy="400110"/>
           </a:xfrm>
           <a:prstGeom prst="rect">
@@ -3668,11 +3659,7 @@
             </a:r>
             <a:r>
               <a:rPr lang="fr-FR" sz="600" dirty="0" smtClean="0"/>
-              <a:t>(n-l+1</a:t>
-            </a:r>
-            <a:r>
-              <a:rPr lang="fr-FR" sz="600" dirty="0" smtClean="0"/>
-              <a:t>)</a:t>
+              <a:t>(n-l+1)</a:t>
             </a:r>
           </a:p>
           <a:p>
@@ -3931,7 +3918,6 @@
               <a:rPr lang="fr-FR" sz="600" dirty="0" smtClean="0"/>
               <a:t>(n-l+1)</a:t>
             </a:r>
-            <a:endParaRPr lang="fr-FR" sz="600" dirty="0" smtClean="0"/>
           </a:p>
           <a:p>
             <a:pPr algn="ctr"/>
@@ -4042,7 +4028,7 @@
         </p:nvSpPr>
         <p:spPr>
           <a:xfrm>
-            <a:off x="7000892" y="1285860"/>
+            <a:off x="5357818" y="1285860"/>
             <a:ext cx="1214446" cy="642942"/>
           </a:xfrm>
           <a:prstGeom prst="rect">
@@ -4257,13 +4243,13 @@
       </p:cxnSp>
       <p:sp>
         <p:nvSpPr>
-          <p:cNvPr id="147" name="Rectangle 146"/>
+          <p:cNvPr id="153" name="Rectangle 152"/>
           <p:cNvSpPr/>
           <p:nvPr/>
         </p:nvSpPr>
         <p:spPr>
           <a:xfrm>
-            <a:off x="2643174" y="1285860"/>
+            <a:off x="1643042" y="5715016"/>
             <a:ext cx="1214446" cy="642942"/>
           </a:xfrm>
           <a:prstGeom prst="rect">
@@ -4303,13 +4289,13 @@
       </p:sp>
       <p:sp>
         <p:nvSpPr>
-          <p:cNvPr id="148" name="ZoneTexte 147"/>
+          <p:cNvPr id="154" name="ZoneTexte 153"/>
           <p:cNvSpPr txBox="1"/>
           <p:nvPr/>
         </p:nvSpPr>
         <p:spPr>
           <a:xfrm>
-            <a:off x="2643174" y="1357298"/>
+            <a:off x="1643042" y="5786454"/>
             <a:ext cx="1214446" cy="400110"/>
           </a:xfrm>
           <a:prstGeom prst="rect">
@@ -4329,7 +4315,7 @@
                 <a:latin typeface="Arial" pitchFamily="34" charset="0"/>
                 <a:cs typeface="Arial" pitchFamily="34" charset="0"/>
               </a:rPr>
-              <a:t>Détection des trames pilotes</a:t>
+              <a:t>Insertion des trames pilotes</a:t>
             </a:r>
             <a:endParaRPr lang="fr-FR" sz="1400" dirty="0">
               <a:latin typeface="Arial" pitchFamily="34" charset="0"/>
@@ -4340,14 +4326,14 @@
       </p:sp>
       <p:sp>
         <p:nvSpPr>
-          <p:cNvPr id="153" name="Rectangle 152"/>
+          <p:cNvPr id="155" name="Rectangle 154"/>
           <p:cNvSpPr/>
           <p:nvPr/>
         </p:nvSpPr>
         <p:spPr>
           <a:xfrm>
-            <a:off x="1643042" y="5715016"/>
-            <a:ext cx="1214446" cy="642942"/>
+            <a:off x="3357554" y="5715016"/>
+            <a:ext cx="785818" cy="642942"/>
           </a:xfrm>
           <a:prstGeom prst="rect">
             <a:avLst/>
@@ -4386,14 +4372,14 @@
       </p:sp>
       <p:sp>
         <p:nvSpPr>
-          <p:cNvPr id="154" name="ZoneTexte 153"/>
+          <p:cNvPr id="156" name="ZoneTexte 155"/>
           <p:cNvSpPr txBox="1"/>
           <p:nvPr/>
         </p:nvSpPr>
         <p:spPr>
           <a:xfrm>
-            <a:off x="1643042" y="5786454"/>
-            <a:ext cx="1214446" cy="400110"/>
+            <a:off x="3357554" y="5857892"/>
+            <a:ext cx="785818" cy="307777"/>
           </a:xfrm>
           <a:prstGeom prst="rect">
             <a:avLst/>
@@ -4408,18 +4394,11 @@
           <a:p>
             <a:pPr algn="ctr"/>
             <a:r>
-              <a:rPr lang="fr-FR" sz="1000" dirty="0" smtClean="0">
+              <a:rPr lang="fr-FR" sz="1400" dirty="0" smtClean="0">
                 <a:latin typeface="Arial" pitchFamily="34" charset="0"/>
                 <a:cs typeface="Arial" pitchFamily="34" charset="0"/>
               </a:rPr>
-              <a:t>Insertion </a:t>
-            </a:r>
-            <a:r>
-              <a:rPr lang="fr-FR" sz="1000" dirty="0" smtClean="0">
-                <a:latin typeface="Arial" pitchFamily="34" charset="0"/>
-                <a:cs typeface="Arial" pitchFamily="34" charset="0"/>
-              </a:rPr>
-              <a:t>des trames pilotes</a:t>
+              <a:t>IFFT</a:t>
             </a:r>
             <a:endParaRPr lang="fr-FR" sz="1400" dirty="0">
               <a:latin typeface="Arial" pitchFamily="34" charset="0"/>
@@ -4428,16 +4407,51 @@
           </a:p>
         </p:txBody>
       </p:sp>
-      <p:sp>
-        <p:nvSpPr>
-          <p:cNvPr id="155" name="Rectangle 154"/>
+      <p:cxnSp>
+        <p:nvCxnSpPr>
+          <p:cNvPr id="157" name="Connecteur droit 156"/>
+          <p:cNvCxnSpPr/>
+          <p:nvPr/>
+        </p:nvCxnSpPr>
+        <p:spPr>
+          <a:xfrm>
+            <a:off x="2857488" y="6000768"/>
+            <a:ext cx="500066" cy="1588"/>
+          </a:xfrm>
+          <a:prstGeom prst="line">
+            <a:avLst/>
+          </a:prstGeom>
+          <a:ln w="28575">
+            <a:solidFill>
+              <a:schemeClr val="tx1"/>
+            </a:solidFill>
+          </a:ln>
+        </p:spPr>
+        <p:style>
+          <a:lnRef idx="1">
+            <a:schemeClr val="accent1"/>
+          </a:lnRef>
+          <a:fillRef idx="0">
+            <a:schemeClr val="accent1"/>
+          </a:fillRef>
+          <a:effectRef idx="0">
+            <a:schemeClr val="accent1"/>
+          </a:effectRef>
+          <a:fontRef idx="minor">
+            <a:schemeClr val="tx1"/>
+          </a:fontRef>
+        </p:style>
+      </p:cxnSp>
+      <p:sp>
+        <p:nvSpPr>
+          <p:cNvPr id="158" name="Rectangle 157"/>
           <p:cNvSpPr/>
           <p:nvPr/>
         </p:nvSpPr>
         <p:spPr>
           <a:xfrm>
-            <a:off x="3357554" y="5715016"/>
-            <a:ext cx="785818" cy="642942"/>
+            <a:off x="4643438" y="5786454"/>
+            <a:ext cx="1143008" cy="500066"/>
           </a:xfrm>
           <a:prstGeom prst="rect">
             <a:avLst/>
@@ -4476,131 +4490,13 @@
       </p:sp>
       <p:sp>
         <p:nvSpPr>
-          <p:cNvPr id="156" name="ZoneTexte 155"/>
-          <p:cNvSpPr txBox="1"/>
-          <p:nvPr/>
-        </p:nvSpPr>
-        <p:spPr>
-          <a:xfrm>
-            <a:off x="3357554" y="5857892"/>
-            <a:ext cx="785818" cy="307777"/>
-          </a:xfrm>
-          <a:prstGeom prst="rect">
-            <a:avLst/>
-          </a:prstGeom>
-          <a:noFill/>
-        </p:spPr>
-        <p:txBody>
-          <a:bodyPr wrap="square" rtlCol="0">
-            <a:spAutoFit/>
-          </a:bodyPr>
-          <a:lstStyle/>
-          <a:p>
-            <a:pPr algn="ctr"/>
-            <a:r>
-              <a:rPr lang="fr-FR" sz="1400" dirty="0" smtClean="0">
-                <a:latin typeface="Arial" pitchFamily="34" charset="0"/>
-                <a:cs typeface="Arial" pitchFamily="34" charset="0"/>
-              </a:rPr>
-              <a:t>IFFT</a:t>
-            </a:r>
-            <a:endParaRPr lang="fr-FR" sz="1400" dirty="0">
-              <a:latin typeface="Arial" pitchFamily="34" charset="0"/>
-              <a:cs typeface="Arial" pitchFamily="34" charset="0"/>
-            </a:endParaRPr>
-          </a:p>
-        </p:txBody>
-      </p:sp>
-      <p:cxnSp>
-        <p:nvCxnSpPr>
-          <p:cNvPr id="157" name="Connecteur droit 156"/>
-          <p:cNvCxnSpPr/>
-          <p:nvPr/>
-        </p:nvCxnSpPr>
-        <p:spPr>
-          <a:xfrm>
-            <a:off x="2857488" y="6000768"/>
-            <a:ext cx="500066" cy="1588"/>
-          </a:xfrm>
-          <a:prstGeom prst="line">
-            <a:avLst/>
-          </a:prstGeom>
-          <a:ln w="28575">
-            <a:solidFill>
-              <a:schemeClr val="tx1"/>
-            </a:solidFill>
-          </a:ln>
-        </p:spPr>
-        <p:style>
-          <a:lnRef idx="1">
-            <a:schemeClr val="accent1"/>
-          </a:lnRef>
-          <a:fillRef idx="0">
-            <a:schemeClr val="accent1"/>
-          </a:fillRef>
-          <a:effectRef idx="0">
-            <a:schemeClr val="accent1"/>
-          </a:effectRef>
-          <a:fontRef idx="minor">
-            <a:schemeClr val="tx1"/>
-          </a:fontRef>
-        </p:style>
-      </p:cxnSp>
-      <p:sp>
-        <p:nvSpPr>
-          <p:cNvPr id="158" name="Rectangle 157"/>
-          <p:cNvSpPr/>
-          <p:nvPr/>
-        </p:nvSpPr>
-        <p:spPr>
-          <a:xfrm>
-            <a:off x="4643438" y="5786454"/>
-            <a:ext cx="1143008" cy="500066"/>
-          </a:xfrm>
-          <a:prstGeom prst="rect">
-            <a:avLst/>
-          </a:prstGeom>
-          <a:noFill/>
-          <a:ln>
-            <a:solidFill>
-              <a:schemeClr val="tx1"/>
-            </a:solidFill>
-          </a:ln>
-        </p:spPr>
-        <p:style>
-          <a:lnRef idx="2">
-            <a:schemeClr val="accent1">
-              <a:shade val="50000"/>
-            </a:schemeClr>
-          </a:lnRef>
-          <a:fillRef idx="1">
-            <a:schemeClr val="accent1"/>
-          </a:fillRef>
-          <a:effectRef idx="0">
-            <a:schemeClr val="accent1"/>
-          </a:effectRef>
-          <a:fontRef idx="minor">
-            <a:schemeClr val="lt1"/>
-          </a:fontRef>
-        </p:style>
-        <p:txBody>
-          <a:bodyPr rtlCol="0" anchor="ctr"/>
-          <a:lstStyle/>
-          <a:p>
-            <a:pPr algn="ctr"/>
-            <a:endParaRPr lang="fr-FR"/>
-          </a:p>
-        </p:txBody>
-      </p:sp>
-      <p:sp>
-        <p:nvSpPr>
           <p:cNvPr id="159" name="ZoneTexte 158"/>
           <p:cNvSpPr txBox="1"/>
           <p:nvPr/>
         </p:nvSpPr>
         <p:spPr>
           <a:xfrm>
-            <a:off x="7000892" y="1428736"/>
+            <a:off x="5357818" y="1428736"/>
             <a:ext cx="1214446" cy="246221"/>
           </a:xfrm>
           <a:prstGeom prst="rect">
